--- a/Shoenen Fighter.pptx
+++ b/Shoenen Fighter.pptx
@@ -8,11 +8,11 @@
     <p:sldId id="256" r:id="rId2"/>
     <p:sldId id="260" r:id="rId3"/>
     <p:sldId id="257" r:id="rId4"/>
-    <p:sldId id="261" r:id="rId5"/>
-    <p:sldId id="258" r:id="rId6"/>
-    <p:sldId id="259" r:id="rId7"/>
-    <p:sldId id="262" r:id="rId8"/>
-    <p:sldId id="263" r:id="rId9"/>
+    <p:sldId id="258" r:id="rId5"/>
+    <p:sldId id="259" r:id="rId6"/>
+    <p:sldId id="262" r:id="rId7"/>
+    <p:sldId id="263" r:id="rId8"/>
+    <p:sldId id="264" r:id="rId9"/>
   </p:sldIdLst>
   <p:sldSz cx="12192000" cy="6858000"/>
   <p:notesSz cx="6858000" cy="9144000"/>
@@ -111,6 +111,11 @@
       </a:defRPr>
     </a:lvl9pPr>
   </p:defaultTextStyle>
+  <p:extLst>
+    <p:ext uri="{EFAFB233-063F-42B5-8137-9DF3F51BA10A}">
+      <p15:sldGuideLst xmlns:p15="http://schemas.microsoft.com/office/powerpoint/2012/main"/>
+    </p:ext>
+  </p:extLst>
 </p:presentation>
 </file>
 
@@ -6072,18 +6077,27 @@
             <p:ph type="ctrTitle"/>
           </p:nvPr>
         </p:nvSpPr>
-        <p:spPr/>
+        <p:spPr>
+          <a:xfrm>
+            <a:off x="1154955" y="926805"/>
+            <a:ext cx="8825658" cy="3329581"/>
+          </a:xfrm>
+        </p:spPr>
         <p:txBody>
           <a:bodyPr/>
           <a:lstStyle/>
           <a:p>
             <a:r>
-              <a:rPr lang="fr-FR" dirty="0" err="1"/>
-              <a:t>Shoenen</a:t>
-            </a:r>
-            <a:r>
-              <a:rPr lang="fr-FR" dirty="0"/>
-              <a:t> Fighter</a:t>
+              <a:rPr lang="fr-FR" u="sng" dirty="0">
+                <a:effectLst>
+                  <a:outerShdw blurRad="38100" dist="38100" dir="2700000" algn="tl">
+                    <a:srgbClr val="000000">
+                      <a:alpha val="43137"/>
+                    </a:srgbClr>
+                  </a:outerShdw>
+                </a:effectLst>
+              </a:rPr>
+              <a:t>Shonen Fighter</a:t>
             </a:r>
           </a:p>
         </p:txBody>
@@ -6126,6 +6140,41 @@
             <a:r>
               <a:rPr lang="fr-FR" dirty="0"/>
               <a:t>Masin Emma</a:t>
+            </a:r>
+          </a:p>
+        </p:txBody>
+      </p:sp>
+      <p:sp>
+        <p:nvSpPr>
+          <p:cNvPr id="4" name="ZoneTexte 3">
+            <a:extLst>
+              <a:ext uri="{FF2B5EF4-FFF2-40B4-BE49-F238E27FC236}">
+                <a16:creationId xmlns:a16="http://schemas.microsoft.com/office/drawing/2014/main" id="{4E80C40B-52E0-4E4E-88B8-4AEE87CF6E92}"/>
+              </a:ext>
+            </a:extLst>
+          </p:cNvPr>
+          <p:cNvSpPr txBox="1"/>
+          <p:nvPr/>
+        </p:nvSpPr>
+        <p:spPr>
+          <a:xfrm>
+            <a:off x="9980613" y="6159794"/>
+            <a:ext cx="1372492" cy="276999"/>
+          </a:xfrm>
+          <a:prstGeom prst="rect">
+            <a:avLst/>
+          </a:prstGeom>
+          <a:noFill/>
+        </p:spPr>
+        <p:txBody>
+          <a:bodyPr wrap="none" rtlCol="0">
+            <a:spAutoFit/>
+          </a:bodyPr>
+          <a:lstStyle/>
+          <a:p>
+            <a:r>
+              <a:rPr lang="fr-FR" sz="1200" dirty="0"/>
+              <a:t>V. Pre-Alpha 1.0</a:t>
             </a:r>
           </a:p>
         </p:txBody>
@@ -6182,14 +6231,229 @@
         </p:blipFill>
         <p:spPr>
           <a:xfrm>
-            <a:off x="1430581" y="0"/>
-            <a:ext cx="9330837" cy="6858000"/>
+            <a:off x="0" y="1265275"/>
+            <a:ext cx="7609332" cy="5592725"/>
           </a:xfrm>
           <a:prstGeom prst="rect">
             <a:avLst/>
           </a:prstGeom>
         </p:spPr>
       </p:pic>
+      <p:pic>
+        <p:nvPicPr>
+          <p:cNvPr id="8" name="Image 7">
+            <a:extLst>
+              <a:ext uri="{FF2B5EF4-FFF2-40B4-BE49-F238E27FC236}">
+                <a16:creationId xmlns:a16="http://schemas.microsoft.com/office/drawing/2014/main" id="{104F1793-25DF-4389-9675-8DB026899059}"/>
+              </a:ext>
+            </a:extLst>
+          </p:cNvPr>
+          <p:cNvPicPr>
+            <a:picLocks noChangeAspect="1"/>
+          </p:cNvPicPr>
+          <p:nvPr/>
+        </p:nvPicPr>
+        <p:blipFill>
+          <a:blip r:embed="rId3"/>
+          <a:stretch>
+            <a:fillRect/>
+          </a:stretch>
+        </p:blipFill>
+        <p:spPr>
+          <a:xfrm>
+            <a:off x="3884913" y="1265275"/>
+            <a:ext cx="8307087" cy="5592725"/>
+          </a:xfrm>
+          <a:prstGeom prst="rect">
+            <a:avLst/>
+          </a:prstGeom>
+        </p:spPr>
+      </p:pic>
+      <p:sp>
+        <p:nvSpPr>
+          <p:cNvPr id="9" name="ZoneTexte 8">
+            <a:extLst>
+              <a:ext uri="{FF2B5EF4-FFF2-40B4-BE49-F238E27FC236}">
+                <a16:creationId xmlns:a16="http://schemas.microsoft.com/office/drawing/2014/main" id="{6A148D98-F84B-4945-84D4-09A2F0C6E7EC}"/>
+              </a:ext>
+            </a:extLst>
+          </p:cNvPr>
+          <p:cNvSpPr txBox="1"/>
+          <p:nvPr/>
+        </p:nvSpPr>
+        <p:spPr>
+          <a:xfrm>
+            <a:off x="5030909" y="127591"/>
+            <a:ext cx="2130181" cy="461665"/>
+          </a:xfrm>
+          <a:prstGeom prst="rect">
+            <a:avLst/>
+          </a:prstGeom>
+          <a:noFill/>
+        </p:spPr>
+        <p:txBody>
+          <a:bodyPr wrap="square" rtlCol="0">
+            <a:spAutoFit/>
+          </a:bodyPr>
+          <a:lstStyle/>
+          <a:p>
+            <a:r>
+              <a:rPr lang="fr-FR" sz="2400" u="sng" dirty="0"/>
+              <a:t>Gui / Tkinter :</a:t>
+            </a:r>
+          </a:p>
+        </p:txBody>
+      </p:sp>
+      <p:cxnSp>
+        <p:nvCxnSpPr>
+          <p:cNvPr id="13" name="Connecteur droit avec flèche 12">
+            <a:extLst>
+              <a:ext uri="{FF2B5EF4-FFF2-40B4-BE49-F238E27FC236}">
+                <a16:creationId xmlns:a16="http://schemas.microsoft.com/office/drawing/2014/main" id="{4F3305E0-49BF-4BF7-A329-635401C865D2}"/>
+              </a:ext>
+            </a:extLst>
+          </p:cNvPr>
+          <p:cNvCxnSpPr/>
+          <p:nvPr/>
+        </p:nvCxnSpPr>
+        <p:spPr>
+          <a:xfrm flipV="1">
+            <a:off x="1467293" y="1095153"/>
+            <a:ext cx="0" cy="170122"/>
+          </a:xfrm>
+          <a:prstGeom prst="straightConnector1">
+            <a:avLst/>
+          </a:prstGeom>
+          <a:ln>
+            <a:tailEnd type="triangle"/>
+          </a:ln>
+        </p:spPr>
+        <p:style>
+          <a:lnRef idx="1">
+            <a:schemeClr val="accent1"/>
+          </a:lnRef>
+          <a:fillRef idx="0">
+            <a:schemeClr val="accent1"/>
+          </a:fillRef>
+          <a:effectRef idx="0">
+            <a:schemeClr val="accent1"/>
+          </a:effectRef>
+          <a:fontRef idx="minor">
+            <a:schemeClr val="tx1"/>
+          </a:fontRef>
+        </p:style>
+      </p:cxnSp>
+      <p:sp>
+        <p:nvSpPr>
+          <p:cNvPr id="14" name="ZoneTexte 13">
+            <a:extLst>
+              <a:ext uri="{FF2B5EF4-FFF2-40B4-BE49-F238E27FC236}">
+                <a16:creationId xmlns:a16="http://schemas.microsoft.com/office/drawing/2014/main" id="{E6AC6534-948D-43A8-B978-827313EE4C28}"/>
+              </a:ext>
+            </a:extLst>
+          </p:cNvPr>
+          <p:cNvSpPr txBox="1"/>
+          <p:nvPr/>
+        </p:nvSpPr>
+        <p:spPr>
+          <a:xfrm>
+            <a:off x="669852" y="725821"/>
+            <a:ext cx="2066591" cy="369332"/>
+          </a:xfrm>
+          <a:prstGeom prst="rect">
+            <a:avLst/>
+          </a:prstGeom>
+          <a:noFill/>
+        </p:spPr>
+        <p:txBody>
+          <a:bodyPr wrap="none" rtlCol="0">
+            <a:spAutoFit/>
+          </a:bodyPr>
+          <a:lstStyle/>
+          <a:p>
+            <a:r>
+              <a:rPr lang="fr-FR" dirty="0"/>
+              <a:t>Fenêtre 1 : Menu</a:t>
+            </a:r>
+          </a:p>
+        </p:txBody>
+      </p:sp>
+      <p:cxnSp>
+        <p:nvCxnSpPr>
+          <p:cNvPr id="15" name="Connecteur droit avec flèche 14">
+            <a:extLst>
+              <a:ext uri="{FF2B5EF4-FFF2-40B4-BE49-F238E27FC236}">
+                <a16:creationId xmlns:a16="http://schemas.microsoft.com/office/drawing/2014/main" id="{1F6F272D-A9AF-4005-ACE3-F3FA2F1DA3EC}"/>
+              </a:ext>
+            </a:extLst>
+          </p:cNvPr>
+          <p:cNvCxnSpPr>
+            <a:cxnSpLocks/>
+          </p:cNvCxnSpPr>
+          <p:nvPr/>
+        </p:nvCxnSpPr>
+        <p:spPr>
+          <a:xfrm flipV="1">
+            <a:off x="8126819" y="1095153"/>
+            <a:ext cx="0" cy="170122"/>
+          </a:xfrm>
+          <a:prstGeom prst="straightConnector1">
+            <a:avLst/>
+          </a:prstGeom>
+          <a:ln>
+            <a:tailEnd type="triangle"/>
+          </a:ln>
+        </p:spPr>
+        <p:style>
+          <a:lnRef idx="1">
+            <a:schemeClr val="accent1"/>
+          </a:lnRef>
+          <a:fillRef idx="0">
+            <a:schemeClr val="accent1"/>
+          </a:fillRef>
+          <a:effectRef idx="0">
+            <a:schemeClr val="accent1"/>
+          </a:effectRef>
+          <a:fontRef idx="minor">
+            <a:schemeClr val="tx1"/>
+          </a:fontRef>
+        </p:style>
+      </p:cxnSp>
+      <p:sp>
+        <p:nvSpPr>
+          <p:cNvPr id="17" name="ZoneTexte 16">
+            <a:extLst>
+              <a:ext uri="{FF2B5EF4-FFF2-40B4-BE49-F238E27FC236}">
+                <a16:creationId xmlns:a16="http://schemas.microsoft.com/office/drawing/2014/main" id="{F36E21F3-0DF3-46BB-976A-9EF7FFD02E58}"/>
+              </a:ext>
+            </a:extLst>
+          </p:cNvPr>
+          <p:cNvSpPr txBox="1"/>
+          <p:nvPr/>
+        </p:nvSpPr>
+        <p:spPr>
+          <a:xfrm>
+            <a:off x="6325837" y="742599"/>
+            <a:ext cx="3857146" cy="369332"/>
+          </a:xfrm>
+          <a:prstGeom prst="rect">
+            <a:avLst/>
+          </a:prstGeom>
+          <a:noFill/>
+        </p:spPr>
+        <p:txBody>
+          <a:bodyPr wrap="none" rtlCol="0">
+            <a:spAutoFit/>
+          </a:bodyPr>
+          <a:lstStyle/>
+          <a:p>
+            <a:r>
+              <a:rPr lang="fr-FR" dirty="0"/>
+              <a:t>Fenêtre 2 : Sélection Personnage</a:t>
+            </a:r>
+          </a:p>
+        </p:txBody>
+      </p:sp>
     </p:spTree>
     <p:extLst>
       <p:ext uri="{BB962C8B-B14F-4D97-AF65-F5344CB8AC3E}">
@@ -6242,7 +6506,7 @@
         </p:blipFill>
         <p:spPr>
           <a:xfrm>
-            <a:off x="2709644" y="1"/>
+            <a:off x="4059980" y="0"/>
             <a:ext cx="6245195" cy="6858000"/>
           </a:xfrm>
           <a:prstGeom prst="rect">
@@ -6250,6 +6514,167 @@
           </a:prstGeom>
         </p:spPr>
       </p:pic>
+      <p:sp>
+        <p:nvSpPr>
+          <p:cNvPr id="2" name="Accolade ouvrante 1">
+            <a:extLst>
+              <a:ext uri="{FF2B5EF4-FFF2-40B4-BE49-F238E27FC236}">
+                <a16:creationId xmlns:a16="http://schemas.microsoft.com/office/drawing/2014/main" id="{4D24ACC3-DE64-4C2B-A64F-5E41BEFEC5FD}"/>
+              </a:ext>
+            </a:extLst>
+          </p:cNvPr>
+          <p:cNvSpPr/>
+          <p:nvPr/>
+        </p:nvSpPr>
+        <p:spPr>
+          <a:xfrm>
+            <a:off x="3359888" y="63795"/>
+            <a:ext cx="531628" cy="6730409"/>
+          </a:xfrm>
+          <a:prstGeom prst="leftBrace">
+            <a:avLst/>
+          </a:prstGeom>
+          <a:ln w="28575"/>
+        </p:spPr>
+        <p:style>
+          <a:lnRef idx="1">
+            <a:schemeClr val="accent2"/>
+          </a:lnRef>
+          <a:fillRef idx="0">
+            <a:schemeClr val="accent2"/>
+          </a:fillRef>
+          <a:effectRef idx="0">
+            <a:schemeClr val="accent2"/>
+          </a:effectRef>
+          <a:fontRef idx="minor">
+            <a:schemeClr val="tx1"/>
+          </a:fontRef>
+        </p:style>
+        <p:txBody>
+          <a:bodyPr rtlCol="0" anchor="ctr"/>
+          <a:lstStyle/>
+          <a:p>
+            <a:pPr algn="ctr"/>
+            <a:endParaRPr lang="fr-FR"/>
+          </a:p>
+        </p:txBody>
+      </p:sp>
+      <p:sp>
+        <p:nvSpPr>
+          <p:cNvPr id="3" name="ZoneTexte 2">
+            <a:extLst>
+              <a:ext uri="{FF2B5EF4-FFF2-40B4-BE49-F238E27FC236}">
+                <a16:creationId xmlns:a16="http://schemas.microsoft.com/office/drawing/2014/main" id="{8AC9F5F1-F2AA-46B1-9100-63A3F05EF594}"/>
+              </a:ext>
+            </a:extLst>
+          </p:cNvPr>
+          <p:cNvSpPr txBox="1"/>
+          <p:nvPr/>
+        </p:nvSpPr>
+        <p:spPr>
+          <a:xfrm>
+            <a:off x="637953" y="3198167"/>
+            <a:ext cx="2286000" cy="461665"/>
+          </a:xfrm>
+          <a:prstGeom prst="rect">
+            <a:avLst/>
+          </a:prstGeom>
+          <a:noFill/>
+        </p:spPr>
+        <p:txBody>
+          <a:bodyPr wrap="square" rtlCol="0">
+            <a:spAutoFit/>
+          </a:bodyPr>
+          <a:lstStyle/>
+          <a:p>
+            <a:r>
+              <a:rPr lang="fr-FR" sz="2400" u="sng" dirty="0"/>
+              <a:t>Class Player :</a:t>
+            </a:r>
+          </a:p>
+        </p:txBody>
+      </p:sp>
+      <p:sp>
+        <p:nvSpPr>
+          <p:cNvPr id="10" name="Flèche : angle droit 9">
+            <a:extLst>
+              <a:ext uri="{FF2B5EF4-FFF2-40B4-BE49-F238E27FC236}">
+                <a16:creationId xmlns:a16="http://schemas.microsoft.com/office/drawing/2014/main" id="{6D9BCD45-3337-455A-A663-EA26A0D8D2FB}"/>
+              </a:ext>
+            </a:extLst>
+          </p:cNvPr>
+          <p:cNvSpPr/>
+          <p:nvPr/>
+        </p:nvSpPr>
+        <p:spPr>
+          <a:xfrm rot="5400000">
+            <a:off x="800525" y="3757757"/>
+            <a:ext cx="461665" cy="265814"/>
+          </a:xfrm>
+          <a:prstGeom prst="bentUpArrow">
+            <a:avLst/>
+          </a:prstGeom>
+        </p:spPr>
+        <p:style>
+          <a:lnRef idx="2">
+            <a:schemeClr val="accent1">
+              <a:shade val="50000"/>
+            </a:schemeClr>
+          </a:lnRef>
+          <a:fillRef idx="1">
+            <a:schemeClr val="accent1"/>
+          </a:fillRef>
+          <a:effectRef idx="0">
+            <a:schemeClr val="accent1"/>
+          </a:effectRef>
+          <a:fontRef idx="minor">
+            <a:schemeClr val="lt1"/>
+          </a:fontRef>
+        </p:style>
+        <p:txBody>
+          <a:bodyPr rtlCol="0" anchor="ctr"/>
+          <a:lstStyle/>
+          <a:p>
+            <a:pPr algn="ctr"/>
+            <a:endParaRPr lang="fr-FR"/>
+          </a:p>
+        </p:txBody>
+      </p:sp>
+      <p:sp>
+        <p:nvSpPr>
+          <p:cNvPr id="11" name="ZoneTexte 10">
+            <a:extLst>
+              <a:ext uri="{FF2B5EF4-FFF2-40B4-BE49-F238E27FC236}">
+                <a16:creationId xmlns:a16="http://schemas.microsoft.com/office/drawing/2014/main" id="{5B646912-68AF-4A92-9843-27E533B51C47}"/>
+              </a:ext>
+            </a:extLst>
+          </p:cNvPr>
+          <p:cNvSpPr txBox="1"/>
+          <p:nvPr/>
+        </p:nvSpPr>
+        <p:spPr>
+          <a:xfrm>
+            <a:off x="1164265" y="3890664"/>
+            <a:ext cx="1635973" cy="369332"/>
+          </a:xfrm>
+          <a:prstGeom prst="rect">
+            <a:avLst/>
+          </a:prstGeom>
+          <a:noFill/>
+        </p:spPr>
+        <p:txBody>
+          <a:bodyPr wrap="square" rtlCol="0">
+            <a:spAutoFit/>
+          </a:bodyPr>
+          <a:lstStyle/>
+          <a:p>
+            <a:r>
+              <a:rPr lang="fr-FR" dirty="0"/>
+              <a:t>Attributs</a:t>
+            </a:r>
+          </a:p>
+        </p:txBody>
+      </p:sp>
     </p:spTree>
     <p:extLst>
       <p:ext uri="{BB962C8B-B14F-4D97-AF65-F5344CB8AC3E}">
@@ -6264,96 +6689,6 @@
 </file>
 
 <file path=ppt/slides/slide4.xml><?xml version="1.0" encoding="utf-8"?>
-<p:sld xmlns:a="http://schemas.openxmlformats.org/drawingml/2006/main" xmlns:r="http://schemas.openxmlformats.org/officeDocument/2006/relationships" xmlns:p="http://schemas.openxmlformats.org/presentationml/2006/main">
-  <p:cSld>
-    <p:spTree>
-      <p:nvGrpSpPr>
-        <p:cNvPr id="1" name=""/>
-        <p:cNvGrpSpPr/>
-        <p:nvPr/>
-      </p:nvGrpSpPr>
-      <p:grpSpPr>
-        <a:xfrm>
-          <a:off x="0" y="0"/>
-          <a:ext cx="0" cy="0"/>
-          <a:chOff x="0" y="0"/>
-          <a:chExt cx="0" cy="0"/>
-        </a:xfrm>
-      </p:grpSpPr>
-      <p:pic>
-        <p:nvPicPr>
-          <p:cNvPr id="6" name="Image 5">
-            <a:extLst>
-              <a:ext uri="{FF2B5EF4-FFF2-40B4-BE49-F238E27FC236}">
-                <a16:creationId xmlns:a16="http://schemas.microsoft.com/office/drawing/2014/main" id="{43EF050D-B531-40DC-8DA9-DCBD05295F6D}"/>
-              </a:ext>
-            </a:extLst>
-          </p:cNvPr>
-          <p:cNvPicPr>
-            <a:picLocks noChangeAspect="1"/>
-          </p:cNvPicPr>
-          <p:nvPr/>
-        </p:nvPicPr>
-        <p:blipFill>
-          <a:blip r:embed="rId2"/>
-          <a:stretch>
-            <a:fillRect/>
-          </a:stretch>
-        </p:blipFill>
-        <p:spPr>
-          <a:xfrm>
-            <a:off x="0" y="0"/>
-            <a:ext cx="3970428" cy="1098958"/>
-          </a:xfrm>
-          <a:prstGeom prst="rect">
-            <a:avLst/>
-          </a:prstGeom>
-        </p:spPr>
-      </p:pic>
-      <p:pic>
-        <p:nvPicPr>
-          <p:cNvPr id="8" name="Image 7">
-            <a:extLst>
-              <a:ext uri="{FF2B5EF4-FFF2-40B4-BE49-F238E27FC236}">
-                <a16:creationId xmlns:a16="http://schemas.microsoft.com/office/drawing/2014/main" id="{B8440AAD-45F7-4FA9-A7B4-268DBA9D7568}"/>
-              </a:ext>
-            </a:extLst>
-          </p:cNvPr>
-          <p:cNvPicPr>
-            <a:picLocks noChangeAspect="1"/>
-          </p:cNvPicPr>
-          <p:nvPr/>
-        </p:nvPicPr>
-        <p:blipFill>
-          <a:blip r:embed="rId3"/>
-          <a:stretch>
-            <a:fillRect/>
-          </a:stretch>
-        </p:blipFill>
-        <p:spPr>
-          <a:xfrm>
-            <a:off x="3980056" y="0"/>
-            <a:ext cx="8211944" cy="6540227"/>
-          </a:xfrm>
-          <a:prstGeom prst="rect">
-            <a:avLst/>
-          </a:prstGeom>
-        </p:spPr>
-      </p:pic>
-    </p:spTree>
-    <p:extLst>
-      <p:ext uri="{BB962C8B-B14F-4D97-AF65-F5344CB8AC3E}">
-        <p14:creationId xmlns:p14="http://schemas.microsoft.com/office/powerpoint/2010/main" val="666883308"/>
-      </p:ext>
-    </p:extLst>
-  </p:cSld>
-  <p:clrMapOvr>
-    <a:masterClrMapping/>
-  </p:clrMapOvr>
-</p:sld>
-</file>
-
-<file path=ppt/slides/slide5.xml><?xml version="1.0" encoding="utf-8"?>
 <p:sld xmlns:a="http://schemas.openxmlformats.org/drawingml/2006/main" xmlns:r="http://schemas.openxmlformats.org/officeDocument/2006/relationships" xmlns:p="http://schemas.openxmlformats.org/presentationml/2006/main">
   <p:cSld>
     <p:spTree>
@@ -6392,14 +6727,576 @@
         </p:blipFill>
         <p:spPr>
           <a:xfrm>
-            <a:off x="2243191" y="0"/>
-            <a:ext cx="7705618" cy="6858000"/>
+            <a:off x="265535" y="839971"/>
+            <a:ext cx="6056974" cy="5390707"/>
           </a:xfrm>
           <a:prstGeom prst="rect">
             <a:avLst/>
           </a:prstGeom>
         </p:spPr>
       </p:pic>
+      <p:sp>
+        <p:nvSpPr>
+          <p:cNvPr id="2" name="ZoneTexte 1">
+            <a:extLst>
+              <a:ext uri="{FF2B5EF4-FFF2-40B4-BE49-F238E27FC236}">
+                <a16:creationId xmlns:a16="http://schemas.microsoft.com/office/drawing/2014/main" id="{1D508276-B036-477C-9257-EDF41E524D1E}"/>
+              </a:ext>
+            </a:extLst>
+          </p:cNvPr>
+          <p:cNvSpPr txBox="1"/>
+          <p:nvPr/>
+        </p:nvSpPr>
+        <p:spPr>
+          <a:xfrm>
+            <a:off x="265535" y="255181"/>
+            <a:ext cx="1728358" cy="461665"/>
+          </a:xfrm>
+          <a:prstGeom prst="rect">
+            <a:avLst/>
+          </a:prstGeom>
+          <a:noFill/>
+        </p:spPr>
+        <p:txBody>
+          <a:bodyPr wrap="none" rtlCol="0">
+            <a:spAutoFit/>
+          </a:bodyPr>
+          <a:lstStyle/>
+          <a:p>
+            <a:r>
+              <a:rPr lang="fr-FR" sz="2400" u="sng" dirty="0"/>
+              <a:t>Animator :</a:t>
+            </a:r>
+          </a:p>
+        </p:txBody>
+      </p:sp>
+      <p:pic>
+        <p:nvPicPr>
+          <p:cNvPr id="4" name="Image 3">
+            <a:extLst>
+              <a:ext uri="{FF2B5EF4-FFF2-40B4-BE49-F238E27FC236}">
+                <a16:creationId xmlns:a16="http://schemas.microsoft.com/office/drawing/2014/main" id="{5EB96744-12F7-43C6-9586-B4C3EEABCD7C}"/>
+              </a:ext>
+            </a:extLst>
+          </p:cNvPr>
+          <p:cNvPicPr>
+            <a:picLocks noChangeAspect="1"/>
+          </p:cNvPicPr>
+          <p:nvPr/>
+        </p:nvPicPr>
+        <p:blipFill>
+          <a:blip r:embed="rId3"/>
+          <a:stretch>
+            <a:fillRect/>
+          </a:stretch>
+        </p:blipFill>
+        <p:spPr>
+          <a:xfrm>
+            <a:off x="6480727" y="2327980"/>
+            <a:ext cx="5445738" cy="1262205"/>
+          </a:xfrm>
+          <a:prstGeom prst="rect">
+            <a:avLst/>
+          </a:prstGeom>
+        </p:spPr>
+      </p:pic>
+      <p:sp>
+        <p:nvSpPr>
+          <p:cNvPr id="6" name="Accolade fermante 5">
+            <a:extLst>
+              <a:ext uri="{FF2B5EF4-FFF2-40B4-BE49-F238E27FC236}">
+                <a16:creationId xmlns:a16="http://schemas.microsoft.com/office/drawing/2014/main" id="{4A23928C-2A0C-4CBF-A88A-14732989442B}"/>
+              </a:ext>
+            </a:extLst>
+          </p:cNvPr>
+          <p:cNvSpPr/>
+          <p:nvPr/>
+        </p:nvSpPr>
+        <p:spPr>
+          <a:xfrm rot="16200000">
+            <a:off x="8953216" y="-737002"/>
+            <a:ext cx="500762" cy="5445740"/>
+          </a:xfrm>
+          <a:prstGeom prst="rightBrace">
+            <a:avLst/>
+          </a:prstGeom>
+        </p:spPr>
+        <p:style>
+          <a:lnRef idx="1">
+            <a:schemeClr val="accent1"/>
+          </a:lnRef>
+          <a:fillRef idx="0">
+            <a:schemeClr val="accent1"/>
+          </a:fillRef>
+          <a:effectRef idx="0">
+            <a:schemeClr val="accent1"/>
+          </a:effectRef>
+          <a:fontRef idx="minor">
+            <a:schemeClr val="tx1"/>
+          </a:fontRef>
+        </p:style>
+        <p:txBody>
+          <a:bodyPr rtlCol="0" anchor="ctr"/>
+          <a:lstStyle/>
+          <a:p>
+            <a:pPr algn="ctr"/>
+            <a:endParaRPr lang="fr-FR"/>
+          </a:p>
+        </p:txBody>
+      </p:sp>
+      <p:sp>
+        <p:nvSpPr>
+          <p:cNvPr id="8" name="ZoneTexte 7">
+            <a:extLst>
+              <a:ext uri="{FF2B5EF4-FFF2-40B4-BE49-F238E27FC236}">
+                <a16:creationId xmlns:a16="http://schemas.microsoft.com/office/drawing/2014/main" id="{9694657F-91B8-44F7-9555-52E543A61447}"/>
+              </a:ext>
+            </a:extLst>
+          </p:cNvPr>
+          <p:cNvSpPr txBox="1"/>
+          <p:nvPr/>
+        </p:nvSpPr>
+        <p:spPr>
+          <a:xfrm>
+            <a:off x="8547006" y="1320290"/>
+            <a:ext cx="1313180" cy="369332"/>
+          </a:xfrm>
+          <a:prstGeom prst="rect">
+            <a:avLst/>
+          </a:prstGeom>
+          <a:noFill/>
+        </p:spPr>
+        <p:txBody>
+          <a:bodyPr wrap="none" rtlCol="0">
+            <a:spAutoFit/>
+          </a:bodyPr>
+          <a:lstStyle/>
+          <a:p>
+            <a:r>
+              <a:rPr lang="fr-FR" dirty="0"/>
+              <a:t>Liste (Run)</a:t>
+            </a:r>
+          </a:p>
+        </p:txBody>
+      </p:sp>
+      <p:cxnSp>
+        <p:nvCxnSpPr>
+          <p:cNvPr id="10" name="Connecteur droit avec flèche 9">
+            <a:extLst>
+              <a:ext uri="{FF2B5EF4-FFF2-40B4-BE49-F238E27FC236}">
+                <a16:creationId xmlns:a16="http://schemas.microsoft.com/office/drawing/2014/main" id="{151390E6-2B2F-4B17-8AAF-AFB605154843}"/>
+              </a:ext>
+            </a:extLst>
+          </p:cNvPr>
+          <p:cNvCxnSpPr>
+            <a:cxnSpLocks/>
+          </p:cNvCxnSpPr>
+          <p:nvPr/>
+        </p:nvCxnSpPr>
+        <p:spPr>
+          <a:xfrm flipV="1">
+            <a:off x="6921796" y="3590185"/>
+            <a:ext cx="0" cy="224819"/>
+          </a:xfrm>
+          <a:prstGeom prst="straightConnector1">
+            <a:avLst/>
+          </a:prstGeom>
+          <a:ln>
+            <a:tailEnd type="triangle"/>
+          </a:ln>
+        </p:spPr>
+        <p:style>
+          <a:lnRef idx="1">
+            <a:schemeClr val="accent1"/>
+          </a:lnRef>
+          <a:fillRef idx="0">
+            <a:schemeClr val="accent1"/>
+          </a:fillRef>
+          <a:effectRef idx="0">
+            <a:schemeClr val="accent1"/>
+          </a:effectRef>
+          <a:fontRef idx="minor">
+            <a:schemeClr val="tx1"/>
+          </a:fontRef>
+        </p:style>
+      </p:cxnSp>
+      <p:sp>
+        <p:nvSpPr>
+          <p:cNvPr id="11" name="ZoneTexte 10">
+            <a:extLst>
+              <a:ext uri="{FF2B5EF4-FFF2-40B4-BE49-F238E27FC236}">
+                <a16:creationId xmlns:a16="http://schemas.microsoft.com/office/drawing/2014/main" id="{AE91F464-3591-47C5-8676-9B61895A8669}"/>
+              </a:ext>
+            </a:extLst>
+          </p:cNvPr>
+          <p:cNvSpPr txBox="1"/>
+          <p:nvPr/>
+        </p:nvSpPr>
+        <p:spPr>
+          <a:xfrm>
+            <a:off x="6322509" y="3794541"/>
+            <a:ext cx="2052165" cy="369332"/>
+          </a:xfrm>
+          <a:prstGeom prst="rect">
+            <a:avLst/>
+          </a:prstGeom>
+          <a:noFill/>
+        </p:spPr>
+        <p:txBody>
+          <a:bodyPr wrap="none" rtlCol="0">
+            <a:spAutoFit/>
+          </a:bodyPr>
+          <a:lstStyle/>
+          <a:p>
+            <a:r>
+              <a:rPr lang="fr-FR" dirty="0"/>
+              <a:t>Current_Sprite(0)</a:t>
+            </a:r>
+          </a:p>
+        </p:txBody>
+      </p:sp>
+      <p:cxnSp>
+        <p:nvCxnSpPr>
+          <p:cNvPr id="12" name="Connecteur droit avec flèche 11">
+            <a:extLst>
+              <a:ext uri="{FF2B5EF4-FFF2-40B4-BE49-F238E27FC236}">
+                <a16:creationId xmlns:a16="http://schemas.microsoft.com/office/drawing/2014/main" id="{1EE9F052-3FC8-4B8A-A068-72D998EF1372}"/>
+              </a:ext>
+            </a:extLst>
+          </p:cNvPr>
+          <p:cNvCxnSpPr>
+            <a:cxnSpLocks/>
+          </p:cNvCxnSpPr>
+          <p:nvPr/>
+        </p:nvCxnSpPr>
+        <p:spPr>
+          <a:xfrm flipV="1">
+            <a:off x="7800753" y="3602825"/>
+            <a:ext cx="0" cy="224819"/>
+          </a:xfrm>
+          <a:prstGeom prst="straightConnector1">
+            <a:avLst/>
+          </a:prstGeom>
+          <a:ln>
+            <a:tailEnd type="triangle"/>
+          </a:ln>
+        </p:spPr>
+        <p:style>
+          <a:lnRef idx="1">
+            <a:schemeClr val="accent1"/>
+          </a:lnRef>
+          <a:fillRef idx="0">
+            <a:schemeClr val="accent1"/>
+          </a:fillRef>
+          <a:effectRef idx="0">
+            <a:schemeClr val="accent1"/>
+          </a:effectRef>
+          <a:fontRef idx="minor">
+            <a:schemeClr val="tx1"/>
+          </a:fontRef>
+        </p:style>
+      </p:cxnSp>
+      <p:cxnSp>
+        <p:nvCxnSpPr>
+          <p:cNvPr id="14" name="Connecteur droit 13">
+            <a:extLst>
+              <a:ext uri="{FF2B5EF4-FFF2-40B4-BE49-F238E27FC236}">
+                <a16:creationId xmlns:a16="http://schemas.microsoft.com/office/drawing/2014/main" id="{26855EA8-13DB-4DDC-936C-1303480EA66A}"/>
+              </a:ext>
+            </a:extLst>
+          </p:cNvPr>
+          <p:cNvCxnSpPr>
+            <a:cxnSpLocks/>
+          </p:cNvCxnSpPr>
+          <p:nvPr/>
+        </p:nvCxnSpPr>
+        <p:spPr>
+          <a:xfrm>
+            <a:off x="7800752" y="4163873"/>
+            <a:ext cx="0" cy="289887"/>
+          </a:xfrm>
+          <a:prstGeom prst="line">
+            <a:avLst/>
+          </a:prstGeom>
+        </p:spPr>
+        <p:style>
+          <a:lnRef idx="1">
+            <a:schemeClr val="accent1"/>
+          </a:lnRef>
+          <a:fillRef idx="0">
+            <a:schemeClr val="accent1"/>
+          </a:fillRef>
+          <a:effectRef idx="0">
+            <a:schemeClr val="accent1"/>
+          </a:effectRef>
+          <a:fontRef idx="minor">
+            <a:schemeClr val="tx1"/>
+          </a:fontRef>
+        </p:style>
+      </p:cxnSp>
+      <p:sp>
+        <p:nvSpPr>
+          <p:cNvPr id="16" name="ZoneTexte 15">
+            <a:extLst>
+              <a:ext uri="{FF2B5EF4-FFF2-40B4-BE49-F238E27FC236}">
+                <a16:creationId xmlns:a16="http://schemas.microsoft.com/office/drawing/2014/main" id="{CDFD330C-8EE1-477C-B04B-1C5F30ABFEE5}"/>
+              </a:ext>
+            </a:extLst>
+          </p:cNvPr>
+          <p:cNvSpPr txBox="1"/>
+          <p:nvPr/>
+        </p:nvSpPr>
+        <p:spPr>
+          <a:xfrm>
+            <a:off x="7151431" y="4453760"/>
+            <a:ext cx="2052165" cy="369332"/>
+          </a:xfrm>
+          <a:prstGeom prst="rect">
+            <a:avLst/>
+          </a:prstGeom>
+          <a:noFill/>
+        </p:spPr>
+        <p:txBody>
+          <a:bodyPr wrap="none" rtlCol="0">
+            <a:spAutoFit/>
+          </a:bodyPr>
+          <a:lstStyle/>
+          <a:p>
+            <a:r>
+              <a:rPr lang="fr-FR" dirty="0"/>
+              <a:t>Current_Sprite(1)</a:t>
+            </a:r>
+          </a:p>
+        </p:txBody>
+      </p:sp>
+      <p:cxnSp>
+        <p:nvCxnSpPr>
+          <p:cNvPr id="17" name="Connecteur droit avec flèche 16">
+            <a:extLst>
+              <a:ext uri="{FF2B5EF4-FFF2-40B4-BE49-F238E27FC236}">
+                <a16:creationId xmlns:a16="http://schemas.microsoft.com/office/drawing/2014/main" id="{F5827835-0B1A-42F7-BEDA-101631F1AC01}"/>
+              </a:ext>
+            </a:extLst>
+          </p:cNvPr>
+          <p:cNvCxnSpPr>
+            <a:cxnSpLocks/>
+          </p:cNvCxnSpPr>
+          <p:nvPr/>
+        </p:nvCxnSpPr>
+        <p:spPr>
+          <a:xfrm flipV="1">
+            <a:off x="8665534" y="3602826"/>
+            <a:ext cx="0" cy="850934"/>
+          </a:xfrm>
+          <a:prstGeom prst="straightConnector1">
+            <a:avLst/>
+          </a:prstGeom>
+          <a:ln>
+            <a:tailEnd type="triangle"/>
+          </a:ln>
+        </p:spPr>
+        <p:style>
+          <a:lnRef idx="1">
+            <a:schemeClr val="accent1"/>
+          </a:lnRef>
+          <a:fillRef idx="0">
+            <a:schemeClr val="accent1"/>
+          </a:fillRef>
+          <a:effectRef idx="0">
+            <a:schemeClr val="accent1"/>
+          </a:effectRef>
+          <a:fontRef idx="minor">
+            <a:schemeClr val="tx1"/>
+          </a:fontRef>
+        </p:style>
+      </p:cxnSp>
+      <p:sp>
+        <p:nvSpPr>
+          <p:cNvPr id="20" name="ZoneTexte 19">
+            <a:extLst>
+              <a:ext uri="{FF2B5EF4-FFF2-40B4-BE49-F238E27FC236}">
+                <a16:creationId xmlns:a16="http://schemas.microsoft.com/office/drawing/2014/main" id="{0A3BD14E-C9BA-4E50-95D8-8B53E2266BFA}"/>
+              </a:ext>
+            </a:extLst>
+          </p:cNvPr>
+          <p:cNvSpPr txBox="1"/>
+          <p:nvPr/>
+        </p:nvSpPr>
+        <p:spPr>
+          <a:xfrm>
+            <a:off x="8177513" y="5161052"/>
+            <a:ext cx="2052165" cy="369332"/>
+          </a:xfrm>
+          <a:prstGeom prst="rect">
+            <a:avLst/>
+          </a:prstGeom>
+          <a:noFill/>
+        </p:spPr>
+        <p:txBody>
+          <a:bodyPr wrap="none" rtlCol="0">
+            <a:spAutoFit/>
+          </a:bodyPr>
+          <a:lstStyle/>
+          <a:p>
+            <a:r>
+              <a:rPr lang="fr-FR" dirty="0"/>
+              <a:t>Current_Sprite(2)</a:t>
+            </a:r>
+          </a:p>
+        </p:txBody>
+      </p:sp>
+      <p:cxnSp>
+        <p:nvCxnSpPr>
+          <p:cNvPr id="21" name="Connecteur droit 20">
+            <a:extLst>
+              <a:ext uri="{FF2B5EF4-FFF2-40B4-BE49-F238E27FC236}">
+                <a16:creationId xmlns:a16="http://schemas.microsoft.com/office/drawing/2014/main" id="{AC349F4F-C376-46E2-B5E9-741E3DB6C847}"/>
+              </a:ext>
+            </a:extLst>
+          </p:cNvPr>
+          <p:cNvCxnSpPr>
+            <a:cxnSpLocks/>
+          </p:cNvCxnSpPr>
+          <p:nvPr/>
+        </p:nvCxnSpPr>
+        <p:spPr>
+          <a:xfrm>
+            <a:off x="8665534" y="4823092"/>
+            <a:ext cx="0" cy="289887"/>
+          </a:xfrm>
+          <a:prstGeom prst="line">
+            <a:avLst/>
+          </a:prstGeom>
+        </p:spPr>
+        <p:style>
+          <a:lnRef idx="1">
+            <a:schemeClr val="accent1"/>
+          </a:lnRef>
+          <a:fillRef idx="0">
+            <a:schemeClr val="accent1"/>
+          </a:fillRef>
+          <a:effectRef idx="0">
+            <a:schemeClr val="accent1"/>
+          </a:effectRef>
+          <a:fontRef idx="minor">
+            <a:schemeClr val="tx1"/>
+          </a:fontRef>
+        </p:style>
+      </p:cxnSp>
+      <p:cxnSp>
+        <p:nvCxnSpPr>
+          <p:cNvPr id="22" name="Connecteur droit avec flèche 21">
+            <a:extLst>
+              <a:ext uri="{FF2B5EF4-FFF2-40B4-BE49-F238E27FC236}">
+                <a16:creationId xmlns:a16="http://schemas.microsoft.com/office/drawing/2014/main" id="{FD3BB9F5-0624-4A85-94A3-FA47EC12A019}"/>
+              </a:ext>
+            </a:extLst>
+          </p:cNvPr>
+          <p:cNvCxnSpPr>
+            <a:cxnSpLocks/>
+          </p:cNvCxnSpPr>
+          <p:nvPr/>
+        </p:nvCxnSpPr>
+        <p:spPr>
+          <a:xfrm flipV="1">
+            <a:off x="9562213" y="3602826"/>
+            <a:ext cx="0" cy="1510153"/>
+          </a:xfrm>
+          <a:prstGeom prst="straightConnector1">
+            <a:avLst/>
+          </a:prstGeom>
+          <a:ln>
+            <a:tailEnd type="triangle"/>
+          </a:ln>
+        </p:spPr>
+        <p:style>
+          <a:lnRef idx="1">
+            <a:schemeClr val="accent1"/>
+          </a:lnRef>
+          <a:fillRef idx="0">
+            <a:schemeClr val="accent1"/>
+          </a:fillRef>
+          <a:effectRef idx="0">
+            <a:schemeClr val="accent1"/>
+          </a:effectRef>
+          <a:fontRef idx="minor">
+            <a:schemeClr val="tx1"/>
+          </a:fontRef>
+        </p:style>
+      </p:cxnSp>
+      <p:cxnSp>
+        <p:nvCxnSpPr>
+          <p:cNvPr id="24" name="Connecteur droit 23">
+            <a:extLst>
+              <a:ext uri="{FF2B5EF4-FFF2-40B4-BE49-F238E27FC236}">
+                <a16:creationId xmlns:a16="http://schemas.microsoft.com/office/drawing/2014/main" id="{AF9118C9-4A73-420A-9414-B898498D5EF1}"/>
+              </a:ext>
+            </a:extLst>
+          </p:cNvPr>
+          <p:cNvCxnSpPr>
+            <a:cxnSpLocks/>
+          </p:cNvCxnSpPr>
+          <p:nvPr/>
+        </p:nvCxnSpPr>
+        <p:spPr>
+          <a:xfrm>
+            <a:off x="9597654" y="5530384"/>
+            <a:ext cx="0" cy="289887"/>
+          </a:xfrm>
+          <a:prstGeom prst="line">
+            <a:avLst/>
+          </a:prstGeom>
+        </p:spPr>
+        <p:style>
+          <a:lnRef idx="1">
+            <a:schemeClr val="accent1"/>
+          </a:lnRef>
+          <a:fillRef idx="0">
+            <a:schemeClr val="accent1"/>
+          </a:fillRef>
+          <a:effectRef idx="0">
+            <a:schemeClr val="accent1"/>
+          </a:effectRef>
+          <a:fontRef idx="minor">
+            <a:schemeClr val="tx1"/>
+          </a:fontRef>
+        </p:style>
+      </p:cxnSp>
+      <p:sp>
+        <p:nvSpPr>
+          <p:cNvPr id="26" name="ZoneTexte 25">
+            <a:extLst>
+              <a:ext uri="{FF2B5EF4-FFF2-40B4-BE49-F238E27FC236}">
+                <a16:creationId xmlns:a16="http://schemas.microsoft.com/office/drawing/2014/main" id="{C8B6DBA3-6C1F-409F-8C4B-569D6CD12ACA}"/>
+              </a:ext>
+            </a:extLst>
+          </p:cNvPr>
+          <p:cNvSpPr txBox="1"/>
+          <p:nvPr/>
+        </p:nvSpPr>
+        <p:spPr>
+          <a:xfrm>
+            <a:off x="9382607" y="5820271"/>
+            <a:ext cx="766557" cy="369332"/>
+          </a:xfrm>
+          <a:prstGeom prst="rect">
+            <a:avLst/>
+          </a:prstGeom>
+          <a:noFill/>
+        </p:spPr>
+        <p:txBody>
+          <a:bodyPr wrap="none" rtlCol="0">
+            <a:spAutoFit/>
+          </a:bodyPr>
+          <a:lstStyle/>
+          <a:p>
+            <a:r>
+              <a:rPr lang="fr-FR" dirty="0"/>
+              <a:t>Etc…</a:t>
+            </a:r>
+          </a:p>
+        </p:txBody>
+      </p:sp>
     </p:spTree>
     <p:extLst>
       <p:ext uri="{BB962C8B-B14F-4D97-AF65-F5344CB8AC3E}">
@@ -6413,7 +7310,7 @@
 </p:sld>
 </file>
 
-<file path=ppt/slides/slide6.xml><?xml version="1.0" encoding="utf-8"?>
+<file path=ppt/slides/slide5.xml><?xml version="1.0" encoding="utf-8"?>
 <p:sld xmlns:a="http://schemas.openxmlformats.org/drawingml/2006/main" xmlns:r="http://schemas.openxmlformats.org/officeDocument/2006/relationships" xmlns:p="http://schemas.openxmlformats.org/presentationml/2006/main">
   <p:cSld>
     <p:spTree>
@@ -6452,7 +7349,7 @@
         </p:blipFill>
         <p:spPr>
           <a:xfrm>
-            <a:off x="3662636" y="0"/>
+            <a:off x="3916397" y="-1"/>
             <a:ext cx="4866728" cy="6858000"/>
           </a:xfrm>
           <a:prstGeom prst="rect">
@@ -6460,6 +7357,41 @@
           </a:prstGeom>
         </p:spPr>
       </p:pic>
+      <p:sp>
+        <p:nvSpPr>
+          <p:cNvPr id="2" name="ZoneTexte 1">
+            <a:extLst>
+              <a:ext uri="{FF2B5EF4-FFF2-40B4-BE49-F238E27FC236}">
+                <a16:creationId xmlns:a16="http://schemas.microsoft.com/office/drawing/2014/main" id="{A8514D05-5F2D-485F-9B0D-550852C6CB0D}"/>
+              </a:ext>
+            </a:extLst>
+          </p:cNvPr>
+          <p:cNvSpPr txBox="1"/>
+          <p:nvPr/>
+        </p:nvSpPr>
+        <p:spPr>
+          <a:xfrm>
+            <a:off x="0" y="3198167"/>
+            <a:ext cx="3799438" cy="461665"/>
+          </a:xfrm>
+          <a:prstGeom prst="rect">
+            <a:avLst/>
+          </a:prstGeom>
+          <a:noFill/>
+        </p:spPr>
+        <p:txBody>
+          <a:bodyPr wrap="none" rtlCol="0">
+            <a:spAutoFit/>
+          </a:bodyPr>
+          <a:lstStyle/>
+          <a:p>
+            <a:r>
+              <a:rPr lang="fr-FR" sz="2400" u="sng" dirty="0"/>
+              <a:t>Fonction Draw : Naruto :</a:t>
+            </a:r>
+          </a:p>
+        </p:txBody>
+      </p:sp>
     </p:spTree>
     <p:extLst>
       <p:ext uri="{BB962C8B-B14F-4D97-AF65-F5344CB8AC3E}">
@@ -6473,7 +7405,7 @@
 </p:sld>
 </file>
 
-<file path=ppt/slides/slide7.xml><?xml version="1.0" encoding="utf-8"?>
+<file path=ppt/slides/slide6.xml><?xml version="1.0" encoding="utf-8"?>
 <p:sld xmlns:a="http://schemas.openxmlformats.org/drawingml/2006/main" xmlns:r="http://schemas.openxmlformats.org/officeDocument/2006/relationships" xmlns:p="http://schemas.openxmlformats.org/presentationml/2006/main">
   <p:cSld>
     <p:spTree>
@@ -6520,6 +7452,131 @@
           </a:prstGeom>
         </p:spPr>
       </p:pic>
+      <p:sp>
+        <p:nvSpPr>
+          <p:cNvPr id="2" name="ZoneTexte 1">
+            <a:extLst>
+              <a:ext uri="{FF2B5EF4-FFF2-40B4-BE49-F238E27FC236}">
+                <a16:creationId xmlns:a16="http://schemas.microsoft.com/office/drawing/2014/main" id="{DC3C7C9F-12A1-4AD1-A1F0-3DB6A8D870AC}"/>
+              </a:ext>
+            </a:extLst>
+          </p:cNvPr>
+          <p:cNvSpPr txBox="1"/>
+          <p:nvPr/>
+        </p:nvSpPr>
+        <p:spPr>
+          <a:xfrm>
+            <a:off x="616689" y="3013501"/>
+            <a:ext cx="2161169" cy="830997"/>
+          </a:xfrm>
+          <a:prstGeom prst="rect">
+            <a:avLst/>
+          </a:prstGeom>
+          <a:noFill/>
+        </p:spPr>
+        <p:txBody>
+          <a:bodyPr wrap="none" rtlCol="0">
+            <a:spAutoFit/>
+          </a:bodyPr>
+          <a:lstStyle/>
+          <a:p>
+            <a:r>
+              <a:rPr lang="fr-FR" sz="2400" u="sng" dirty="0"/>
+              <a:t>Class Fireball </a:t>
+            </a:r>
+          </a:p>
+          <a:p>
+            <a:r>
+              <a:rPr lang="fr-FR" sz="2400" u="sng" dirty="0"/>
+              <a:t>Projectile :</a:t>
+            </a:r>
+          </a:p>
+        </p:txBody>
+      </p:sp>
+      <p:sp>
+        <p:nvSpPr>
+          <p:cNvPr id="4" name="Flèche : angle droit 3">
+            <a:extLst>
+              <a:ext uri="{FF2B5EF4-FFF2-40B4-BE49-F238E27FC236}">
+                <a16:creationId xmlns:a16="http://schemas.microsoft.com/office/drawing/2014/main" id="{D3A552DE-FB09-4721-A7D6-4908987C59A2}"/>
+              </a:ext>
+            </a:extLst>
+          </p:cNvPr>
+          <p:cNvSpPr/>
+          <p:nvPr/>
+        </p:nvSpPr>
+        <p:spPr>
+          <a:xfrm rot="5400000">
+            <a:off x="811158" y="3942424"/>
+            <a:ext cx="461665" cy="265814"/>
+          </a:xfrm>
+          <a:prstGeom prst="bentUpArrow">
+            <a:avLst/>
+          </a:prstGeom>
+        </p:spPr>
+        <p:style>
+          <a:lnRef idx="2">
+            <a:schemeClr val="accent1">
+              <a:shade val="50000"/>
+            </a:schemeClr>
+          </a:lnRef>
+          <a:fillRef idx="1">
+            <a:schemeClr val="accent1"/>
+          </a:fillRef>
+          <a:effectRef idx="0">
+            <a:schemeClr val="accent1"/>
+          </a:effectRef>
+          <a:fontRef idx="minor">
+            <a:schemeClr val="lt1"/>
+          </a:fontRef>
+        </p:style>
+        <p:txBody>
+          <a:bodyPr rtlCol="0" anchor="ctr"/>
+          <a:lstStyle/>
+          <a:p>
+            <a:pPr algn="ctr"/>
+            <a:endParaRPr lang="fr-FR"/>
+          </a:p>
+        </p:txBody>
+      </p:sp>
+      <p:sp>
+        <p:nvSpPr>
+          <p:cNvPr id="3" name="ZoneTexte 2">
+            <a:extLst>
+              <a:ext uri="{FF2B5EF4-FFF2-40B4-BE49-F238E27FC236}">
+                <a16:creationId xmlns:a16="http://schemas.microsoft.com/office/drawing/2014/main" id="{5BF14F64-00FB-4136-83E0-0ED7C600BCB6}"/>
+              </a:ext>
+            </a:extLst>
+          </p:cNvPr>
+          <p:cNvSpPr txBox="1"/>
+          <p:nvPr/>
+        </p:nvSpPr>
+        <p:spPr>
+          <a:xfrm>
+            <a:off x="1043087" y="4075331"/>
+            <a:ext cx="1308371" cy="646331"/>
+          </a:xfrm>
+          <a:prstGeom prst="rect">
+            <a:avLst/>
+          </a:prstGeom>
+          <a:noFill/>
+        </p:spPr>
+        <p:txBody>
+          <a:bodyPr wrap="none" rtlCol="0">
+            <a:spAutoFit/>
+          </a:bodyPr>
+          <a:lstStyle/>
+          <a:p>
+            <a:r>
+              <a:rPr lang="fr-FR" dirty="0"/>
+              <a:t> Fonctions</a:t>
+            </a:r>
+          </a:p>
+          <a:p>
+            <a:endParaRPr lang="fr-FR" dirty="0"/>
+          </a:p>
+        </p:txBody>
+      </p:sp>
     </p:spTree>
     <p:extLst>
       <p:ext uri="{BB962C8B-B14F-4D97-AF65-F5344CB8AC3E}">
@@ -6533,7 +7590,7 @@
 </p:sld>
 </file>
 
-<file path=ppt/slides/slide8.xml><?xml version="1.0" encoding="utf-8"?>
+<file path=ppt/slides/slide7.xml><?xml version="1.0" encoding="utf-8"?>
 <p:sld xmlns:a="http://schemas.openxmlformats.org/drawingml/2006/main" xmlns:r="http://schemas.openxmlformats.org/officeDocument/2006/relationships" xmlns:p="http://schemas.openxmlformats.org/presentationml/2006/main">
   <p:cSld>
     <p:spTree>
@@ -6572,7 +7629,7 @@
         </p:blipFill>
         <p:spPr>
           <a:xfrm>
-            <a:off x="2023159" y="234892"/>
+            <a:off x="593689" y="819683"/>
             <a:ext cx="8145681" cy="3741519"/>
           </a:xfrm>
           <a:prstGeom prst="rect">
@@ -6602,7 +7659,7 @@
         </p:blipFill>
         <p:spPr>
           <a:xfrm>
-            <a:off x="593689" y="4386782"/>
+            <a:off x="593689" y="4679737"/>
             <a:ext cx="10736173" cy="1943371"/>
           </a:xfrm>
           <a:prstGeom prst="rect">
@@ -6610,10 +7667,385 @@
           </a:prstGeom>
         </p:spPr>
       </p:pic>
+      <p:sp>
+        <p:nvSpPr>
+          <p:cNvPr id="2" name="ZoneTexte 1">
+            <a:extLst>
+              <a:ext uri="{FF2B5EF4-FFF2-40B4-BE49-F238E27FC236}">
+                <a16:creationId xmlns:a16="http://schemas.microsoft.com/office/drawing/2014/main" id="{A04A2805-55C5-45CF-9302-905638B40DDE}"/>
+              </a:ext>
+            </a:extLst>
+          </p:cNvPr>
+          <p:cNvSpPr txBox="1"/>
+          <p:nvPr/>
+        </p:nvSpPr>
+        <p:spPr>
+          <a:xfrm>
+            <a:off x="2697900" y="234892"/>
+            <a:ext cx="6527749" cy="461665"/>
+          </a:xfrm>
+          <a:prstGeom prst="rect">
+            <a:avLst/>
+          </a:prstGeom>
+          <a:noFill/>
+        </p:spPr>
+        <p:txBody>
+          <a:bodyPr wrap="none" rtlCol="0">
+            <a:spAutoFit/>
+          </a:bodyPr>
+          <a:lstStyle/>
+          <a:p>
+            <a:r>
+              <a:rPr lang="fr-FR" sz="2400" u="sng" dirty="0"/>
+              <a:t>Class Fireball Projectile : Boucle Principale :</a:t>
+            </a:r>
+          </a:p>
+        </p:txBody>
+      </p:sp>
+      <p:cxnSp>
+        <p:nvCxnSpPr>
+          <p:cNvPr id="4" name="Connecteur droit avec flèche 3">
+            <a:extLst>
+              <a:ext uri="{FF2B5EF4-FFF2-40B4-BE49-F238E27FC236}">
+                <a16:creationId xmlns:a16="http://schemas.microsoft.com/office/drawing/2014/main" id="{347C34DC-91C9-486E-9EF0-5DEAFD8CF9C7}"/>
+              </a:ext>
+            </a:extLst>
+          </p:cNvPr>
+          <p:cNvCxnSpPr/>
+          <p:nvPr/>
+        </p:nvCxnSpPr>
+        <p:spPr>
+          <a:xfrm>
+            <a:off x="8739370" y="2020186"/>
+            <a:ext cx="287672" cy="0"/>
+          </a:xfrm>
+          <a:prstGeom prst="straightConnector1">
+            <a:avLst/>
+          </a:prstGeom>
+          <a:ln>
+            <a:tailEnd type="triangle"/>
+          </a:ln>
+        </p:spPr>
+        <p:style>
+          <a:lnRef idx="1">
+            <a:schemeClr val="accent1"/>
+          </a:lnRef>
+          <a:fillRef idx="0">
+            <a:schemeClr val="accent1"/>
+          </a:fillRef>
+          <a:effectRef idx="0">
+            <a:schemeClr val="accent1"/>
+          </a:effectRef>
+          <a:fontRef idx="minor">
+            <a:schemeClr val="tx1"/>
+          </a:fontRef>
+        </p:style>
+      </p:cxnSp>
+      <p:sp>
+        <p:nvSpPr>
+          <p:cNvPr id="6" name="ZoneTexte 5">
+            <a:extLst>
+              <a:ext uri="{FF2B5EF4-FFF2-40B4-BE49-F238E27FC236}">
+                <a16:creationId xmlns:a16="http://schemas.microsoft.com/office/drawing/2014/main" id="{1BE28221-703C-4BB4-9991-A03BEC480C5E}"/>
+              </a:ext>
+            </a:extLst>
+          </p:cNvPr>
+          <p:cNvSpPr txBox="1"/>
+          <p:nvPr/>
+        </p:nvSpPr>
+        <p:spPr>
+          <a:xfrm>
+            <a:off x="9058086" y="1718650"/>
+            <a:ext cx="2271776" cy="646331"/>
+          </a:xfrm>
+          <a:prstGeom prst="rect">
+            <a:avLst/>
+          </a:prstGeom>
+          <a:noFill/>
+        </p:spPr>
+        <p:txBody>
+          <a:bodyPr wrap="none" rtlCol="0">
+            <a:spAutoFit/>
+          </a:bodyPr>
+          <a:lstStyle/>
+          <a:p>
+            <a:r>
+              <a:rPr lang="fr-FR" dirty="0"/>
+              <a:t>Gestion des Hitbox</a:t>
+            </a:r>
+          </a:p>
+          <a:p>
+            <a:r>
+              <a:rPr lang="fr-FR" dirty="0"/>
+              <a:t> (Player / Fireball)</a:t>
+            </a:r>
+          </a:p>
+        </p:txBody>
+      </p:sp>
+      <p:cxnSp>
+        <p:nvCxnSpPr>
+          <p:cNvPr id="8" name="Connecteur droit avec flèche 7">
+            <a:extLst>
+              <a:ext uri="{FF2B5EF4-FFF2-40B4-BE49-F238E27FC236}">
+                <a16:creationId xmlns:a16="http://schemas.microsoft.com/office/drawing/2014/main" id="{D39AA599-5804-4EC3-8075-F7843AEA708E}"/>
+              </a:ext>
+            </a:extLst>
+          </p:cNvPr>
+          <p:cNvCxnSpPr>
+            <a:cxnSpLocks/>
+          </p:cNvCxnSpPr>
+          <p:nvPr/>
+        </p:nvCxnSpPr>
+        <p:spPr>
+          <a:xfrm flipV="1">
+            <a:off x="10047767" y="4465674"/>
+            <a:ext cx="0" cy="214063"/>
+          </a:xfrm>
+          <a:prstGeom prst="straightConnector1">
+            <a:avLst/>
+          </a:prstGeom>
+          <a:ln>
+            <a:tailEnd type="triangle"/>
+          </a:ln>
+        </p:spPr>
+        <p:style>
+          <a:lnRef idx="1">
+            <a:schemeClr val="accent1"/>
+          </a:lnRef>
+          <a:fillRef idx="0">
+            <a:schemeClr val="accent1"/>
+          </a:fillRef>
+          <a:effectRef idx="0">
+            <a:schemeClr val="accent1"/>
+          </a:effectRef>
+          <a:fontRef idx="minor">
+            <a:schemeClr val="tx1"/>
+          </a:fontRef>
+        </p:style>
+      </p:cxnSp>
+      <p:sp>
+        <p:nvSpPr>
+          <p:cNvPr id="10" name="ZoneTexte 9">
+            <a:extLst>
+              <a:ext uri="{FF2B5EF4-FFF2-40B4-BE49-F238E27FC236}">
+                <a16:creationId xmlns:a16="http://schemas.microsoft.com/office/drawing/2014/main" id="{7AEA1B70-5D6B-4467-89F3-3211AC2EE22E}"/>
+              </a:ext>
+            </a:extLst>
+          </p:cNvPr>
+          <p:cNvSpPr txBox="1"/>
+          <p:nvPr/>
+        </p:nvSpPr>
+        <p:spPr>
+          <a:xfrm>
+            <a:off x="9058086" y="3819343"/>
+            <a:ext cx="2566728" cy="646331"/>
+          </a:xfrm>
+          <a:prstGeom prst="rect">
+            <a:avLst/>
+          </a:prstGeom>
+          <a:noFill/>
+        </p:spPr>
+        <p:txBody>
+          <a:bodyPr wrap="none" rtlCol="0">
+            <a:spAutoFit/>
+          </a:bodyPr>
+          <a:lstStyle/>
+          <a:p>
+            <a:r>
+              <a:rPr lang="fr-FR" dirty="0"/>
+              <a:t>Gestion des Collisions</a:t>
+            </a:r>
+          </a:p>
+          <a:p>
+            <a:r>
+              <a:rPr lang="fr-FR" dirty="0"/>
+              <a:t>(Fireball / Fireball)</a:t>
+            </a:r>
+          </a:p>
+        </p:txBody>
+      </p:sp>
     </p:spTree>
     <p:extLst>
       <p:ext uri="{BB962C8B-B14F-4D97-AF65-F5344CB8AC3E}">
         <p14:creationId xmlns:p14="http://schemas.microsoft.com/office/powerpoint/2010/main" val="532355292"/>
+      </p:ext>
+    </p:extLst>
+  </p:cSld>
+  <p:clrMapOvr>
+    <a:masterClrMapping/>
+  </p:clrMapOvr>
+</p:sld>
+</file>
+
+<file path=ppt/slides/slide8.xml><?xml version="1.0" encoding="utf-8"?>
+<p:sld xmlns:a="http://schemas.openxmlformats.org/drawingml/2006/main" xmlns:r="http://schemas.openxmlformats.org/officeDocument/2006/relationships" xmlns:p="http://schemas.openxmlformats.org/presentationml/2006/main">
+  <p:cSld>
+    <p:spTree>
+      <p:nvGrpSpPr>
+        <p:cNvPr id="1" name=""/>
+        <p:cNvGrpSpPr/>
+        <p:nvPr/>
+      </p:nvGrpSpPr>
+      <p:grpSpPr>
+        <a:xfrm>
+          <a:off x="0" y="0"/>
+          <a:ext cx="0" cy="0"/>
+          <a:chOff x="0" y="0"/>
+          <a:chExt cx="0" cy="0"/>
+        </a:xfrm>
+      </p:grpSpPr>
+      <p:sp>
+        <p:nvSpPr>
+          <p:cNvPr id="2" name="Titre 1">
+            <a:extLst>
+              <a:ext uri="{FF2B5EF4-FFF2-40B4-BE49-F238E27FC236}">
+                <a16:creationId xmlns:a16="http://schemas.microsoft.com/office/drawing/2014/main" id="{DF6B5AE6-0FBA-4B3C-A505-45FB91984910}"/>
+              </a:ext>
+            </a:extLst>
+          </p:cNvPr>
+          <p:cNvSpPr>
+            <a:spLocks noGrp="1"/>
+          </p:cNvSpPr>
+          <p:nvPr>
+            <p:ph type="title"/>
+          </p:nvPr>
+        </p:nvSpPr>
+        <p:spPr>
+          <a:xfrm>
+            <a:off x="2787277" y="3429000"/>
+            <a:ext cx="9404723" cy="1400530"/>
+          </a:xfrm>
+        </p:spPr>
+        <p:txBody>
+          <a:bodyPr/>
+          <a:lstStyle/>
+          <a:p>
+            <a:r>
+              <a:rPr lang="fr-FR" u="sng" dirty="0">
+                <a:effectLst>
+                  <a:outerShdw blurRad="38100" dist="38100" dir="2700000" algn="tl">
+                    <a:srgbClr val="000000">
+                      <a:alpha val="43137"/>
+                    </a:srgbClr>
+                  </a:outerShdw>
+                </a:effectLst>
+              </a:rPr>
+              <a:t>Merci de nous avoir écouté !</a:t>
+            </a:r>
+          </a:p>
+        </p:txBody>
+      </p:sp>
+      <p:sp>
+        <p:nvSpPr>
+          <p:cNvPr id="4" name="Titre 1">
+            <a:extLst>
+              <a:ext uri="{FF2B5EF4-FFF2-40B4-BE49-F238E27FC236}">
+                <a16:creationId xmlns:a16="http://schemas.microsoft.com/office/drawing/2014/main" id="{CE76FF42-C201-49D7-97F8-71FD63EB8F4D}"/>
+              </a:ext>
+            </a:extLst>
+          </p:cNvPr>
+          <p:cNvSpPr txBox="1">
+            <a:spLocks/>
+          </p:cNvSpPr>
+          <p:nvPr/>
+        </p:nvSpPr>
+        <p:spPr>
+          <a:xfrm>
+            <a:off x="1616535" y="2640707"/>
+            <a:ext cx="8958929" cy="1105786"/>
+          </a:xfrm>
+          <a:prstGeom prst="rect">
+            <a:avLst/>
+          </a:prstGeom>
+        </p:spPr>
+        <p:txBody>
+          <a:bodyPr vert="horz" lIns="91440" tIns="45720" rIns="91440" bIns="45720" rtlCol="0" anchor="t">
+            <a:noAutofit/>
+          </a:bodyPr>
+          <a:lstStyle>
+            <a:lvl1pPr algn="l" defTabSz="457200" rtl="0" eaLnBrk="1" latinLnBrk="0" hangingPunct="1">
+              <a:spcBef>
+                <a:spcPct val="0"/>
+              </a:spcBef>
+              <a:buNone/>
+              <a:defRPr sz="4200" b="0" i="0" kern="1200">
+                <a:solidFill>
+                  <a:schemeClr val="tx2"/>
+                </a:solidFill>
+                <a:latin typeface="+mj-lt"/>
+                <a:ea typeface="+mj-ea"/>
+                <a:cs typeface="+mj-cs"/>
+              </a:defRPr>
+            </a:lvl1pPr>
+            <a:lvl2pPr eaLnBrk="1" hangingPunct="1">
+              <a:defRPr>
+                <a:solidFill>
+                  <a:schemeClr val="tx2"/>
+                </a:solidFill>
+              </a:defRPr>
+            </a:lvl2pPr>
+            <a:lvl3pPr eaLnBrk="1" hangingPunct="1">
+              <a:defRPr>
+                <a:solidFill>
+                  <a:schemeClr val="tx2"/>
+                </a:solidFill>
+              </a:defRPr>
+            </a:lvl3pPr>
+            <a:lvl4pPr eaLnBrk="1" hangingPunct="1">
+              <a:defRPr>
+                <a:solidFill>
+                  <a:schemeClr val="tx2"/>
+                </a:solidFill>
+              </a:defRPr>
+            </a:lvl4pPr>
+            <a:lvl5pPr eaLnBrk="1" hangingPunct="1">
+              <a:defRPr>
+                <a:solidFill>
+                  <a:schemeClr val="tx2"/>
+                </a:solidFill>
+              </a:defRPr>
+            </a:lvl5pPr>
+            <a:lvl6pPr eaLnBrk="1" hangingPunct="1">
+              <a:defRPr>
+                <a:solidFill>
+                  <a:schemeClr val="tx2"/>
+                </a:solidFill>
+              </a:defRPr>
+            </a:lvl6pPr>
+            <a:lvl7pPr eaLnBrk="1" hangingPunct="1">
+              <a:defRPr>
+                <a:solidFill>
+                  <a:schemeClr val="tx2"/>
+                </a:solidFill>
+              </a:defRPr>
+            </a:lvl7pPr>
+            <a:lvl8pPr eaLnBrk="1" hangingPunct="1">
+              <a:defRPr>
+                <a:solidFill>
+                  <a:schemeClr val="tx2"/>
+                </a:solidFill>
+              </a:defRPr>
+            </a:lvl8pPr>
+            <a:lvl9pPr eaLnBrk="1" hangingPunct="1">
+              <a:defRPr>
+                <a:solidFill>
+                  <a:schemeClr val="tx2"/>
+                </a:solidFill>
+              </a:defRPr>
+            </a:lvl9pPr>
+          </a:lstStyle>
+          <a:p>
+            <a:r>
+              <a:rPr lang="fr-FR" sz="2400" dirty="0"/>
+              <a:t>De la part de toute l’équipe,</a:t>
+            </a:r>
+          </a:p>
+        </p:txBody>
+      </p:sp>
+    </p:spTree>
+    <p:extLst>
+      <p:ext uri="{BB962C8B-B14F-4D97-AF65-F5344CB8AC3E}">
+        <p14:creationId xmlns:p14="http://schemas.microsoft.com/office/powerpoint/2010/main" val="3295129824"/>
       </p:ext>
     </p:extLst>
   </p:cSld>

--- a/Shoenen Fighter.pptx
+++ b/Shoenen Fighter.pptx
@@ -305,7 +305,7 @@
           <a:p>
             <a:fld id="{4AAD347D-5ACD-4C99-B74B-A9C85AD731AF}" type="datetimeFigureOut">
               <a:rPr lang="en-US" smtClean="0"/>
-              <a:t>5/11/2021</a:t>
+              <a:t>5/12/2021</a:t>
             </a:fld>
             <a:endParaRPr lang="en-US" dirty="0"/>
           </a:p>
@@ -347,7 +347,7 @@
           <a:p>
             <a:fld id="{D57F1E4F-1CFF-5643-939E-02111984F565}" type="slidenum">
               <a:rPr lang="en-US" smtClean="0"/>
-              <a:t>‹N°›</a:t>
+              <a:t>‹#›</a:t>
             </a:fld>
             <a:endParaRPr lang="en-US" dirty="0"/>
           </a:p>
@@ -580,7 +580,7 @@
           <a:p>
             <a:fld id="{4509A250-FF31-4206-8172-F9D3106AACB1}" type="datetimeFigureOut">
               <a:rPr lang="en-US" smtClean="0"/>
-              <a:t>5/11/2021</a:t>
+              <a:t>5/12/2021</a:t>
             </a:fld>
             <a:endParaRPr lang="en-US" dirty="0"/>
           </a:p>
@@ -622,7 +622,7 @@
           <a:p>
             <a:fld id="{D57F1E4F-1CFF-5643-939E-02111984F565}" type="slidenum">
               <a:rPr lang="en-US" smtClean="0"/>
-              <a:t>‹N°›</a:t>
+              <a:t>‹#›</a:t>
             </a:fld>
             <a:endParaRPr lang="en-US" dirty="0"/>
           </a:p>
@@ -774,7 +774,7 @@
           <a:p>
             <a:fld id="{4509A250-FF31-4206-8172-F9D3106AACB1}" type="datetimeFigureOut">
               <a:rPr lang="en-US" smtClean="0"/>
-              <a:t>5/11/2021</a:t>
+              <a:t>5/12/2021</a:t>
             </a:fld>
             <a:endParaRPr lang="en-US" dirty="0"/>
           </a:p>
@@ -816,7 +816,7 @@
           <a:p>
             <a:fld id="{D57F1E4F-1CFF-5643-939E-02111984F565}" type="slidenum">
               <a:rPr lang="en-US" smtClean="0"/>
-              <a:t>‹N°›</a:t>
+              <a:t>‹#›</a:t>
             </a:fld>
             <a:endParaRPr lang="en-US" dirty="0"/>
           </a:p>
@@ -1045,7 +1045,7 @@
           <a:p>
             <a:fld id="{4AAD347D-5ACD-4C99-B74B-A9C85AD731AF}" type="datetimeFigureOut">
               <a:rPr lang="en-US" smtClean="0"/>
-              <a:t>5/11/2021</a:t>
+              <a:t>5/12/2021</a:t>
             </a:fld>
             <a:endParaRPr lang="en-US" dirty="0"/>
           </a:p>
@@ -1087,7 +1087,7 @@
           <a:p>
             <a:fld id="{D57F1E4F-1CFF-5643-939E-02111984F565}" type="slidenum">
               <a:rPr lang="en-US" smtClean="0"/>
-              <a:t>‹N°›</a:t>
+              <a:t>‹#›</a:t>
             </a:fld>
             <a:endParaRPr lang="en-US" dirty="0"/>
           </a:p>
@@ -1373,7 +1373,7 @@
           <a:p>
             <a:fld id="{4509A250-FF31-4206-8172-F9D3106AACB1}" type="datetimeFigureOut">
               <a:rPr lang="en-US" smtClean="0"/>
-              <a:t>5/11/2021</a:t>
+              <a:t>5/12/2021</a:t>
             </a:fld>
             <a:endParaRPr lang="en-US" dirty="0"/>
           </a:p>
@@ -1415,7 +1415,7 @@
           <a:p>
             <a:fld id="{D57F1E4F-1CFF-5643-939E-02111984F565}" type="slidenum">
               <a:rPr lang="en-US" smtClean="0"/>
-              <a:t>‹N°›</a:t>
+              <a:t>‹#›</a:t>
             </a:fld>
             <a:endParaRPr lang="en-US" dirty="0"/>
           </a:p>
@@ -1992,7 +1992,7 @@
           <a:p>
             <a:fld id="{4509A250-FF31-4206-8172-F9D3106AACB1}" type="datetimeFigureOut">
               <a:rPr lang="en-US" smtClean="0"/>
-              <a:t>5/11/2021</a:t>
+              <a:t>5/12/2021</a:t>
             </a:fld>
             <a:endParaRPr lang="en-US" dirty="0"/>
           </a:p>
@@ -2034,7 +2034,7 @@
           <a:p>
             <a:fld id="{D57F1E4F-1CFF-5643-939E-02111984F565}" type="slidenum">
               <a:rPr lang="en-US" smtClean="0"/>
-              <a:t>‹N°›</a:t>
+              <a:t>‹#›</a:t>
             </a:fld>
             <a:endParaRPr lang="en-US" dirty="0"/>
           </a:p>
@@ -2839,7 +2839,7 @@
           <a:p>
             <a:fld id="{4509A250-FF31-4206-8172-F9D3106AACB1}" type="datetimeFigureOut">
               <a:rPr lang="en-US" smtClean="0"/>
-              <a:t>5/11/2021</a:t>
+              <a:t>5/12/2021</a:t>
             </a:fld>
             <a:endParaRPr lang="en-US" dirty="0"/>
           </a:p>
@@ -2881,7 +2881,7 @@
           <a:p>
             <a:fld id="{D57F1E4F-1CFF-5643-939E-02111984F565}" type="slidenum">
               <a:rPr lang="en-US" smtClean="0"/>
-              <a:t>‹N°›</a:t>
+              <a:t>‹#›</a:t>
             </a:fld>
             <a:endParaRPr lang="en-US" dirty="0"/>
           </a:p>
@@ -3009,7 +3009,7 @@
           <a:p>
             <a:fld id="{4509A250-FF31-4206-8172-F9D3106AACB1}" type="datetimeFigureOut">
               <a:rPr lang="en-US" smtClean="0"/>
-              <a:t>5/11/2021</a:t>
+              <a:t>5/12/2021</a:t>
             </a:fld>
             <a:endParaRPr lang="en-US" dirty="0"/>
           </a:p>
@@ -3051,7 +3051,7 @@
           <a:p>
             <a:fld id="{D57F1E4F-1CFF-5643-939E-02111984F565}" type="slidenum">
               <a:rPr lang="en-US" smtClean="0"/>
-              <a:t>‹N°›</a:t>
+              <a:t>‹#›</a:t>
             </a:fld>
             <a:endParaRPr lang="en-US" dirty="0"/>
           </a:p>
@@ -3189,7 +3189,7 @@
           <a:p>
             <a:fld id="{4509A250-FF31-4206-8172-F9D3106AACB1}" type="datetimeFigureOut">
               <a:rPr lang="en-US" smtClean="0"/>
-              <a:t>5/11/2021</a:t>
+              <a:t>5/12/2021</a:t>
             </a:fld>
             <a:endParaRPr lang="en-US" dirty="0"/>
           </a:p>
@@ -3231,7 +3231,7 @@
           <a:p>
             <a:fld id="{D57F1E4F-1CFF-5643-939E-02111984F565}" type="slidenum">
               <a:rPr lang="en-US" smtClean="0"/>
-              <a:t>‹N°›</a:t>
+              <a:t>‹#›</a:t>
             </a:fld>
             <a:endParaRPr lang="en-US" dirty="0"/>
           </a:p>
@@ -3359,7 +3359,7 @@
           <a:p>
             <a:fld id="{4509A250-FF31-4206-8172-F9D3106AACB1}" type="datetimeFigureOut">
               <a:rPr lang="en-US" smtClean="0"/>
-              <a:t>5/11/2021</a:t>
+              <a:t>5/12/2021</a:t>
             </a:fld>
             <a:endParaRPr lang="en-US" dirty="0"/>
           </a:p>
@@ -3401,7 +3401,7 @@
           <a:p>
             <a:fld id="{D57F1E4F-1CFF-5643-939E-02111984F565}" type="slidenum">
               <a:rPr lang="en-US" smtClean="0"/>
-              <a:t>‹N°›</a:t>
+              <a:t>‹#›</a:t>
             </a:fld>
             <a:endParaRPr lang="en-US" dirty="0"/>
           </a:p>
@@ -3606,7 +3606,7 @@
           <a:p>
             <a:fld id="{9796027F-7875-4030-9381-8BD8C4F21935}" type="datetimeFigureOut">
               <a:rPr lang="en-US" smtClean="0"/>
-              <a:t>5/11/2021</a:t>
+              <a:t>5/12/2021</a:t>
             </a:fld>
             <a:endParaRPr lang="en-US" dirty="0"/>
           </a:p>
@@ -3648,7 +3648,7 @@
           <a:p>
             <a:fld id="{D57F1E4F-1CFF-5643-939E-02111984F565}" type="slidenum">
               <a:rPr lang="en-US" smtClean="0"/>
-              <a:t>‹N°›</a:t>
+              <a:t>‹#›</a:t>
             </a:fld>
             <a:endParaRPr lang="en-US" dirty="0"/>
           </a:p>
@@ -3898,7 +3898,7 @@
           <a:p>
             <a:fld id="{9796027F-7875-4030-9381-8BD8C4F21935}" type="datetimeFigureOut">
               <a:rPr lang="en-US" smtClean="0"/>
-              <a:t>5/11/2021</a:t>
+              <a:t>5/12/2021</a:t>
             </a:fld>
             <a:endParaRPr lang="en-US" dirty="0"/>
           </a:p>
@@ -3940,7 +3940,7 @@
           <a:p>
             <a:fld id="{D57F1E4F-1CFF-5643-939E-02111984F565}" type="slidenum">
               <a:rPr lang="en-US" smtClean="0"/>
-              <a:t>‹N°›</a:t>
+              <a:t>‹#›</a:t>
             </a:fld>
             <a:endParaRPr lang="en-US" dirty="0"/>
           </a:p>
@@ -4342,7 +4342,7 @@
           <a:p>
             <a:fld id="{9796027F-7875-4030-9381-8BD8C4F21935}" type="datetimeFigureOut">
               <a:rPr lang="en-US" smtClean="0"/>
-              <a:t>5/11/2021</a:t>
+              <a:t>5/12/2021</a:t>
             </a:fld>
             <a:endParaRPr lang="en-US" dirty="0"/>
           </a:p>
@@ -4384,7 +4384,7 @@
           <a:p>
             <a:fld id="{D57F1E4F-1CFF-5643-939E-02111984F565}" type="slidenum">
               <a:rPr lang="en-US" smtClean="0"/>
-              <a:t>‹N°›</a:t>
+              <a:t>‹#›</a:t>
             </a:fld>
             <a:endParaRPr lang="en-US" dirty="0"/>
           </a:p>
@@ -4460,7 +4460,7 @@
           <a:p>
             <a:fld id="{4509A250-FF31-4206-8172-F9D3106AACB1}" type="datetimeFigureOut">
               <a:rPr lang="en-US" smtClean="0"/>
-              <a:t>5/11/2021</a:t>
+              <a:t>5/12/2021</a:t>
             </a:fld>
             <a:endParaRPr lang="en-US" dirty="0"/>
           </a:p>
@@ -4502,7 +4502,7 @@
           <a:p>
             <a:fld id="{D57F1E4F-1CFF-5643-939E-02111984F565}" type="slidenum">
               <a:rPr lang="en-US" smtClean="0"/>
-              <a:t>‹N°›</a:t>
+              <a:t>‹#›</a:t>
             </a:fld>
             <a:endParaRPr lang="en-US" dirty="0"/>
           </a:p>
@@ -4555,7 +4555,7 @@
           <a:p>
             <a:fld id="{4509A250-FF31-4206-8172-F9D3106AACB1}" type="datetimeFigureOut">
               <a:rPr lang="en-US" smtClean="0"/>
-              <a:t>5/11/2021</a:t>
+              <a:t>5/12/2021</a:t>
             </a:fld>
             <a:endParaRPr lang="en-US" dirty="0"/>
           </a:p>
@@ -4597,7 +4597,7 @@
           <a:p>
             <a:fld id="{D57F1E4F-1CFF-5643-939E-02111984F565}" type="slidenum">
               <a:rPr lang="en-US" smtClean="0"/>
-              <a:t>‹N°›</a:t>
+              <a:t>‹#›</a:t>
             </a:fld>
             <a:endParaRPr lang="en-US" dirty="0"/>
           </a:p>
@@ -4834,7 +4834,7 @@
           <a:p>
             <a:fld id="{4509A250-FF31-4206-8172-F9D3106AACB1}" type="datetimeFigureOut">
               <a:rPr lang="en-US" smtClean="0"/>
-              <a:t>5/11/2021</a:t>
+              <a:t>5/12/2021</a:t>
             </a:fld>
             <a:endParaRPr lang="en-US" dirty="0"/>
           </a:p>
@@ -4876,7 +4876,7 @@
           <a:p>
             <a:fld id="{D57F1E4F-1CFF-5643-939E-02111984F565}" type="slidenum">
               <a:rPr lang="en-US" smtClean="0"/>
-              <a:t>‹N°›</a:t>
+              <a:t>‹#›</a:t>
             </a:fld>
             <a:endParaRPr lang="en-US" dirty="0"/>
           </a:p>
@@ -5109,7 +5109,7 @@
           <a:p>
             <a:fld id="{4509A250-FF31-4206-8172-F9D3106AACB1}" type="datetimeFigureOut">
               <a:rPr lang="en-US" smtClean="0"/>
-              <a:t>5/11/2021</a:t>
+              <a:t>5/12/2021</a:t>
             </a:fld>
             <a:endParaRPr lang="en-US" dirty="0"/>
           </a:p>
@@ -5151,7 +5151,7 @@
           <a:p>
             <a:fld id="{D57F1E4F-1CFF-5643-939E-02111984F565}" type="slidenum">
               <a:rPr lang="en-US" smtClean="0"/>
-              <a:t>‹N°›</a:t>
+              <a:t>‹#›</a:t>
             </a:fld>
             <a:endParaRPr lang="en-US" dirty="0"/>
           </a:p>
@@ -5532,7 +5532,7 @@
           <a:p>
             <a:fld id="{4AAD347D-5ACD-4C99-B74B-A9C85AD731AF}" type="datetimeFigureOut">
               <a:rPr lang="en-US" smtClean="0"/>
-              <a:t>5/11/2021</a:t>
+              <a:t>5/12/2021</a:t>
             </a:fld>
             <a:endParaRPr lang="en-US" dirty="0"/>
           </a:p>
@@ -5611,7 +5611,7 @@
           <a:p>
             <a:fld id="{D57F1E4F-1CFF-5643-939E-02111984F565}" type="slidenum">
               <a:rPr lang="en-US" smtClean="0"/>
-              <a:t>‹N°›</a:t>
+              <a:t>‹#›</a:t>
             </a:fld>
             <a:endParaRPr lang="en-US" dirty="0"/>
           </a:p>
@@ -6174,7 +6174,7 @@
           <a:p>
             <a:r>
               <a:rPr lang="fr-FR" sz="1200" dirty="0"/>
-              <a:t>V. Pre-Alpha 1.0</a:t>
+              <a:t>V. Pre-Alpha 0.1</a:t>
             </a:r>
           </a:p>
         </p:txBody>
